--- a/design/powerpoint/ミニバス旅.pptx
+++ b/design/powerpoint/ミニバス旅.pptx
@@ -6,15 +6,13 @@
   </p:sldMasterIdLst>
   <p:sldIdLst>
     <p:sldId id="256" r:id="rId2"/>
-    <p:sldId id="261" r:id="rId3"/>
-    <p:sldId id="265" r:id="rId4"/>
-    <p:sldId id="262" r:id="rId5"/>
-    <p:sldId id="263" r:id="rId6"/>
-    <p:sldId id="264" r:id="rId7"/>
-    <p:sldId id="266" r:id="rId8"/>
-    <p:sldId id="267" r:id="rId9"/>
-    <p:sldId id="268" r:id="rId10"/>
-    <p:sldId id="269" r:id="rId11"/>
+    <p:sldId id="265" r:id="rId3"/>
+    <p:sldId id="261" r:id="rId4"/>
+    <p:sldId id="263" r:id="rId5"/>
+    <p:sldId id="264" r:id="rId6"/>
+    <p:sldId id="266" r:id="rId7"/>
+    <p:sldId id="267" r:id="rId8"/>
+    <p:sldId id="269" r:id="rId9"/>
   </p:sldIdLst>
   <p:sldSz cx="12192000" cy="6858000"/>
   <p:notesSz cx="6858000" cy="9144000"/>
@@ -3651,7 +3649,15 @@
           <a:p>
             <a:r>
               <a:rPr kumimoji="1" lang="ja-JP" altLang="en-US" dirty="0"/>
-              <a:t>ミニバス旅</a:t>
+              <a:t>みに</a:t>
+            </a:r>
+            <a:r>
+              <a:rPr kumimoji="1" lang="ja-JP" altLang="en-US" dirty="0" err="1"/>
+              <a:t>ばす</a:t>
+            </a:r>
+            <a:r>
+              <a:rPr kumimoji="1" lang="ja-JP" altLang="en-US" dirty="0"/>
+              <a:t>旅</a:t>
             </a:r>
           </a:p>
         </p:txBody>
@@ -3679,7 +3685,7 @@
           <a:p>
             <a:r>
               <a:rPr lang="en-US" altLang="ja-JP" dirty="0" err="1"/>
-              <a:t>groupA</a:t>
+              <a:t>GroupA</a:t>
             </a:r>
             <a:endParaRPr kumimoji="1" lang="ja-JP" altLang="en-US" dirty="0"/>
           </a:p>
@@ -3698,7 +3704,7 @@
 </p:sld>
 </file>
 
-<file path=ppt/slides/slide10.xml><?xml version="1.0" encoding="utf-8"?>
+<file path=ppt/slides/slide2.xml><?xml version="1.0" encoding="utf-8"?>
 <p:sld xmlns:a="http://schemas.openxmlformats.org/drawingml/2006/main" xmlns:r="http://schemas.openxmlformats.org/officeDocument/2006/relationships" xmlns:p="http://schemas.openxmlformats.org/presentationml/2006/main">
   <p:cSld>
     <p:spTree>
@@ -3720,21 +3726,58 @@
           <p:cNvPr id="2" name="タイトル 1">
             <a:extLst>
               <a:ext uri="{FF2B5EF4-FFF2-40B4-BE49-F238E27FC236}">
-                <a16:creationId xmlns:a16="http://schemas.microsoft.com/office/drawing/2014/main" id="{8F51E515-A9E5-4CA9-AB01-E03CF2909031}"/>
-              </a:ext>
-            </a:extLst>
-          </p:cNvPr>
-          <p:cNvSpPr>
-            <a:spLocks noGrp="1"/>
-          </p:cNvSpPr>
-          <p:nvPr>
-            <p:ph type="ctrTitle"/>
+                <a16:creationId xmlns:a16="http://schemas.microsoft.com/office/drawing/2014/main" id="{4850D2EB-7949-421F-9B97-3BD37B3E01DC}"/>
+              </a:ext>
+            </a:extLst>
+          </p:cNvPr>
+          <p:cNvSpPr>
+            <a:spLocks noGrp="1"/>
+          </p:cNvSpPr>
+          <p:nvPr>
+            <p:ph type="title"/>
+          </p:nvPr>
+        </p:nvSpPr>
+        <p:spPr/>
+        <p:txBody>
+          <a:bodyPr/>
+          <a:lstStyle/>
+          <a:p>
+            <a:r>
+              <a:rPr lang="ja-JP" altLang="en-US" dirty="0"/>
+              <a:t>みに</a:t>
+            </a:r>
+            <a:r>
+              <a:rPr lang="ja-JP" altLang="en-US" dirty="0" err="1"/>
+              <a:t>ばす</a:t>
+            </a:r>
+            <a:r>
+              <a:rPr lang="ja-JP" altLang="en-US" dirty="0"/>
+              <a:t>旅とは</a:t>
+            </a:r>
+            <a:endParaRPr kumimoji="1" lang="ja-JP" altLang="en-US" dirty="0"/>
+          </a:p>
+        </p:txBody>
+      </p:sp>
+      <p:sp>
+        <p:nvSpPr>
+          <p:cNvPr id="7" name="コンテンツ プレースホルダー 2">
+            <a:extLst>
+              <a:ext uri="{FF2B5EF4-FFF2-40B4-BE49-F238E27FC236}">
+                <a16:creationId xmlns:a16="http://schemas.microsoft.com/office/drawing/2014/main" id="{186F999A-5BD3-4F85-BC64-C30F2E486C37}"/>
+              </a:ext>
+            </a:extLst>
+          </p:cNvPr>
+          <p:cNvSpPr>
+            <a:spLocks noGrp="1"/>
+          </p:cNvSpPr>
+          <p:nvPr>
+            <p:ph idx="1"/>
           </p:nvPr>
         </p:nvSpPr>
         <p:spPr>
           <a:xfrm>
-            <a:off x="1206062" y="2938517"/>
-            <a:ext cx="9779876" cy="980966"/>
+            <a:off x="1075996" y="2627312"/>
+            <a:ext cx="10040007" cy="1603375"/>
           </a:xfrm>
         </p:spPr>
         <p:txBody>
@@ -3743,9 +3786,12 @@
           </a:bodyPr>
           <a:lstStyle/>
           <a:p>
+            <a:pPr marL="0" indent="0">
+              <a:buNone/>
+            </a:pPr>
             <a:r>
               <a:rPr kumimoji="1" lang="ja-JP" altLang="en-US" sz="4800" dirty="0"/>
-              <a:t>ご清聴ありがとうございました！</a:t>
+              <a:t>「ミニバス」を利用した観光を提案する観光サイト</a:t>
             </a:r>
           </a:p>
         </p:txBody>
@@ -3753,7 +3799,7 @@
     </p:spTree>
     <p:extLst>
       <p:ext uri="{BB962C8B-B14F-4D97-AF65-F5344CB8AC3E}">
-        <p14:creationId xmlns:p14="http://schemas.microsoft.com/office/powerpoint/2010/main" val="3237772809"/>
+        <p14:creationId xmlns:p14="http://schemas.microsoft.com/office/powerpoint/2010/main" val="195507082"/>
       </p:ext>
     </p:extLst>
   </p:cSld>
@@ -3763,7 +3809,7 @@
 </p:sld>
 </file>
 
-<file path=ppt/slides/slide2.xml><?xml version="1.0" encoding="utf-8"?>
+<file path=ppt/slides/slide3.xml><?xml version="1.0" encoding="utf-8"?>
 <p:sld xmlns:a="http://schemas.openxmlformats.org/drawingml/2006/main" xmlns:r="http://schemas.openxmlformats.org/officeDocument/2006/relationships" xmlns:p="http://schemas.openxmlformats.org/presentationml/2006/main">
   <p:cSld>
     <p:bg>
@@ -3831,8 +3877,8 @@
         </p:nvSpPr>
         <p:spPr>
           <a:xfrm>
-            <a:off x="412529" y="2376022"/>
-            <a:ext cx="10728437" cy="1443806"/>
+            <a:off x="3141279" y="2376022"/>
+            <a:ext cx="5909443" cy="1443806"/>
           </a:xfrm>
         </p:spPr>
         <p:txBody>
@@ -3846,7 +3892,7 @@
             </a:pPr>
             <a:r>
               <a:rPr lang="ja-JP" altLang="en-US" sz="4800" dirty="0"/>
-              <a:t>日野市の路線バス「ミニバス」</a:t>
+              <a:t>「ミニバス」</a:t>
             </a:r>
             <a:r>
               <a:rPr lang="en-US" altLang="ja-JP" sz="4800" dirty="0"/>
@@ -3875,7 +3921,7 @@
         <p:spPr>
           <a:xfrm>
             <a:off x="1776248" y="3580220"/>
-            <a:ext cx="8639503" cy="1077218"/>
+            <a:ext cx="8639503" cy="584775"/>
           </a:xfrm>
           <a:prstGeom prst="rect">
             <a:avLst/>
@@ -3890,14 +3936,7 @@
           <a:p>
             <a:r>
               <a:rPr lang="ja-JP" altLang="en-US" sz="3200" dirty="0"/>
-              <a:t>→主に若者のミニバス利用者数増加と</a:t>
-            </a:r>
-            <a:endParaRPr lang="en-US" altLang="ja-JP" sz="3200" dirty="0"/>
-          </a:p>
-          <a:p>
-            <a:r>
-              <a:rPr lang="ja-JP" altLang="en-US" sz="3200" dirty="0"/>
-              <a:t>　　　　　　　　　　観光者数増加を目指す</a:t>
+              <a:t>→ミニバスを利用した新しい観光を提案する</a:t>
             </a:r>
             <a:endParaRPr kumimoji="1" lang="ja-JP" altLang="en-US" sz="3200" dirty="0"/>
           </a:p>
@@ -3952,116 +3991,6 @@
 </p:sld>
 </file>
 
-<file path=ppt/slides/slide3.xml><?xml version="1.0" encoding="utf-8"?>
-<p:sld xmlns:a="http://schemas.openxmlformats.org/drawingml/2006/main" xmlns:r="http://schemas.openxmlformats.org/officeDocument/2006/relationships" xmlns:p="http://schemas.openxmlformats.org/presentationml/2006/main">
-  <p:cSld>
-    <p:spTree>
-      <p:nvGrpSpPr>
-        <p:cNvPr id="1" name=""/>
-        <p:cNvGrpSpPr/>
-        <p:nvPr/>
-      </p:nvGrpSpPr>
-      <p:grpSpPr>
-        <a:xfrm>
-          <a:off x="0" y="0"/>
-          <a:ext cx="0" cy="0"/>
-          <a:chOff x="0" y="0"/>
-          <a:chExt cx="0" cy="0"/>
-        </a:xfrm>
-      </p:grpSpPr>
-      <p:sp>
-        <p:nvSpPr>
-          <p:cNvPr id="2" name="タイトル 1">
-            <a:extLst>
-              <a:ext uri="{FF2B5EF4-FFF2-40B4-BE49-F238E27FC236}">
-                <a16:creationId xmlns:a16="http://schemas.microsoft.com/office/drawing/2014/main" id="{4850D2EB-7949-421F-9B97-3BD37B3E01DC}"/>
-              </a:ext>
-            </a:extLst>
-          </p:cNvPr>
-          <p:cNvSpPr>
-            <a:spLocks noGrp="1"/>
-          </p:cNvSpPr>
-          <p:nvPr>
-            <p:ph type="title"/>
-          </p:nvPr>
-        </p:nvSpPr>
-        <p:spPr/>
-        <p:txBody>
-          <a:bodyPr/>
-          <a:lstStyle/>
-          <a:p>
-            <a:r>
-              <a:rPr kumimoji="1" lang="ja-JP" altLang="en-US" dirty="0"/>
-              <a:t>概要</a:t>
-            </a:r>
-          </a:p>
-        </p:txBody>
-      </p:sp>
-      <p:sp>
-        <p:nvSpPr>
-          <p:cNvPr id="3" name="コンテンツ プレースホルダー 2">
-            <a:extLst>
-              <a:ext uri="{FF2B5EF4-FFF2-40B4-BE49-F238E27FC236}">
-                <a16:creationId xmlns:a16="http://schemas.microsoft.com/office/drawing/2014/main" id="{6BB6C05F-1C9C-4553-BF15-0724640D136E}"/>
-              </a:ext>
-            </a:extLst>
-          </p:cNvPr>
-          <p:cNvSpPr>
-            <a:spLocks noGrp="1"/>
-          </p:cNvSpPr>
-          <p:nvPr>
-            <p:ph idx="1"/>
-          </p:nvPr>
-        </p:nvSpPr>
-        <p:spPr/>
-        <p:txBody>
-          <a:bodyPr/>
-          <a:lstStyle/>
-          <a:p>
-            <a:r>
-              <a:rPr kumimoji="1" lang="ja-JP" altLang="en-US" dirty="0"/>
-              <a:t>ルート周辺の観光スポットをテーマごとに分類</a:t>
-            </a:r>
-            <a:endParaRPr kumimoji="1" lang="en-US" altLang="ja-JP" dirty="0"/>
-          </a:p>
-          <a:p>
-            <a:r>
-              <a:rPr lang="ja-JP" altLang="en-US" dirty="0"/>
-              <a:t>観光ルートの作成</a:t>
-            </a:r>
-            <a:endParaRPr lang="en-US" altLang="ja-JP" dirty="0"/>
-          </a:p>
-          <a:p>
-            <a:r>
-              <a:rPr kumimoji="1" lang="ja-JP" altLang="en-US" dirty="0"/>
-              <a:t>観光サイトでの提案</a:t>
-            </a:r>
-            <a:endParaRPr kumimoji="1" lang="en-US" altLang="ja-JP" dirty="0"/>
-          </a:p>
-          <a:p>
-            <a:endParaRPr kumimoji="1" lang="en-US" altLang="ja-JP" dirty="0"/>
-          </a:p>
-          <a:p>
-            <a:endParaRPr kumimoji="1" lang="en-US" altLang="ja-JP" dirty="0"/>
-          </a:p>
-          <a:p>
-            <a:endParaRPr kumimoji="1" lang="en-US" altLang="ja-JP" dirty="0"/>
-          </a:p>
-        </p:txBody>
-      </p:sp>
-    </p:spTree>
-    <p:extLst>
-      <p:ext uri="{BB962C8B-B14F-4D97-AF65-F5344CB8AC3E}">
-        <p14:creationId xmlns:p14="http://schemas.microsoft.com/office/powerpoint/2010/main" val="195507082"/>
-      </p:ext>
-    </p:extLst>
-  </p:cSld>
-  <p:clrMapOvr>
-    <a:masterClrMapping/>
-  </p:clrMapOvr>
-</p:sld>
-</file>
-
 <file path=ppt/slides/slide4.xml><?xml version="1.0" encoding="utf-8"?>
 <p:sld xmlns:a="http://schemas.openxmlformats.org/drawingml/2006/main" xmlns:r="http://schemas.openxmlformats.org/officeDocument/2006/relationships" xmlns:p="http://schemas.openxmlformats.org/presentationml/2006/main">
   <p:cSld>
@@ -4084,100 +4013,6 @@
           <p:cNvPr id="2" name="タイトル 1">
             <a:extLst>
               <a:ext uri="{FF2B5EF4-FFF2-40B4-BE49-F238E27FC236}">
-                <a16:creationId xmlns:a16="http://schemas.microsoft.com/office/drawing/2014/main" id="{C3D92D5D-D5AA-4B57-A30A-B687A59690EC}"/>
-              </a:ext>
-            </a:extLst>
-          </p:cNvPr>
-          <p:cNvSpPr>
-            <a:spLocks noGrp="1"/>
-          </p:cNvSpPr>
-          <p:nvPr>
-            <p:ph type="title"/>
-          </p:nvPr>
-        </p:nvSpPr>
-        <p:spPr/>
-        <p:txBody>
-          <a:bodyPr/>
-          <a:lstStyle/>
-          <a:p>
-            <a:r>
-              <a:rPr kumimoji="1" lang="ja-JP" altLang="en-US" dirty="0"/>
-              <a:t>使用したオープンデータ</a:t>
-            </a:r>
-          </a:p>
-        </p:txBody>
-      </p:sp>
-      <p:sp>
-        <p:nvSpPr>
-          <p:cNvPr id="3" name="コンテンツ プレースホルダー 2">
-            <a:extLst>
-              <a:ext uri="{FF2B5EF4-FFF2-40B4-BE49-F238E27FC236}">
-                <a16:creationId xmlns:a16="http://schemas.microsoft.com/office/drawing/2014/main" id="{4B874792-4D0A-4AE4-BA28-CE798E16CA42}"/>
-              </a:ext>
-            </a:extLst>
-          </p:cNvPr>
-          <p:cNvSpPr>
-            <a:spLocks noGrp="1"/>
-          </p:cNvSpPr>
-          <p:nvPr>
-            <p:ph idx="1"/>
-          </p:nvPr>
-        </p:nvSpPr>
-        <p:spPr/>
-        <p:txBody>
-          <a:bodyPr/>
-          <a:lstStyle/>
-          <a:p>
-            <a:r>
-              <a:rPr kumimoji="1" lang="ja-JP" altLang="en-US" dirty="0"/>
-              <a:t>ミニバスの路線図に関するデータ</a:t>
-            </a:r>
-            <a:endParaRPr kumimoji="1" lang="en-US" altLang="ja-JP" dirty="0"/>
-          </a:p>
-          <a:p>
-            <a:r>
-              <a:rPr lang="ja-JP" altLang="en-US" dirty="0"/>
-              <a:t>ミニバスのバス停に関するデータ</a:t>
-            </a:r>
-            <a:endParaRPr kumimoji="1" lang="ja-JP" altLang="en-US" dirty="0"/>
-          </a:p>
-        </p:txBody>
-      </p:sp>
-    </p:spTree>
-    <p:extLst>
-      <p:ext uri="{BB962C8B-B14F-4D97-AF65-F5344CB8AC3E}">
-        <p14:creationId xmlns:p14="http://schemas.microsoft.com/office/powerpoint/2010/main" val="370370633"/>
-      </p:ext>
-    </p:extLst>
-  </p:cSld>
-  <p:clrMapOvr>
-    <a:masterClrMapping/>
-  </p:clrMapOvr>
-</p:sld>
-</file>
-
-<file path=ppt/slides/slide5.xml><?xml version="1.0" encoding="utf-8"?>
-<p:sld xmlns:a="http://schemas.openxmlformats.org/drawingml/2006/main" xmlns:r="http://schemas.openxmlformats.org/officeDocument/2006/relationships" xmlns:p="http://schemas.openxmlformats.org/presentationml/2006/main">
-  <p:cSld>
-    <p:spTree>
-      <p:nvGrpSpPr>
-        <p:cNvPr id="1" name=""/>
-        <p:cNvGrpSpPr/>
-        <p:nvPr/>
-      </p:nvGrpSpPr>
-      <p:grpSpPr>
-        <a:xfrm>
-          <a:off x="0" y="0"/>
-          <a:ext cx="0" cy="0"/>
-          <a:chOff x="0" y="0"/>
-          <a:chExt cx="0" cy="0"/>
-        </a:xfrm>
-      </p:grpSpPr>
-      <p:sp>
-        <p:nvSpPr>
-          <p:cNvPr id="2" name="タイトル 1">
-            <a:extLst>
-              <a:ext uri="{FF2B5EF4-FFF2-40B4-BE49-F238E27FC236}">
                 <a16:creationId xmlns:a16="http://schemas.microsoft.com/office/drawing/2014/main" id="{6430B3AD-BE2C-4E49-802C-EC5A38E1FF8B}"/>
               </a:ext>
             </a:extLst>
@@ -4231,7 +4066,7 @@
         </p:blipFill>
         <p:spPr>
           <a:xfrm>
-            <a:off x="7925537" y="2506662"/>
+            <a:off x="7069755" y="1342498"/>
             <a:ext cx="1863964" cy="4351338"/>
           </a:xfrm>
         </p:spPr>
@@ -4264,7 +4099,7 @@
         </p:blipFill>
         <p:spPr>
           <a:xfrm>
-            <a:off x="9941901" y="150545"/>
+            <a:off x="9361610" y="150546"/>
             <a:ext cx="1564299" cy="6556909"/>
           </a:xfrm>
           <a:prstGeom prst="rect">
@@ -4484,7 +4319,7 @@
         </p:nvSpPr>
         <p:spPr>
           <a:xfrm>
-            <a:off x="990600" y="1978025"/>
+            <a:off x="838200" y="1978025"/>
             <a:ext cx="10515600" cy="4351338"/>
           </a:xfrm>
           <a:prstGeom prst="rect">
@@ -4685,17 +4520,14 @@
           <a:p>
             <a:r>
               <a:rPr lang="ja-JP" altLang="en-US" dirty="0"/>
-              <a:t>優しい色合いと丸みがかったデザインで</a:t>
+              <a:t>優しい色合いと丸みのあるデザイン</a:t>
             </a:r>
             <a:endParaRPr lang="en-US" altLang="ja-JP" dirty="0"/>
           </a:p>
           <a:p>
-            <a:pPr marL="0" indent="0">
-              <a:buNone/>
-            </a:pPr>
             <a:r>
               <a:rPr lang="ja-JP" altLang="en-US" dirty="0"/>
-              <a:t>　若者にも利用しやすく</a:t>
+              <a:t>→若者も利用しやすく</a:t>
             </a:r>
             <a:endParaRPr lang="en-US" altLang="ja-JP" dirty="0"/>
           </a:p>
@@ -4714,7 +4546,7 @@
 </p:sld>
 </file>
 
-<file path=ppt/slides/slide6.xml><?xml version="1.0" encoding="utf-8"?>
+<file path=ppt/slides/slide5.xml><?xml version="1.0" encoding="utf-8"?>
 <p:sld xmlns:a="http://schemas.openxmlformats.org/drawingml/2006/main" xmlns:r="http://schemas.openxmlformats.org/officeDocument/2006/relationships" xmlns:p="http://schemas.openxmlformats.org/presentationml/2006/main">
   <p:cSld>
     <p:spTree>
@@ -4749,7 +4581,7 @@
         </p:nvSpPr>
         <p:spPr>
           <a:xfrm>
-            <a:off x="838200" y="365125"/>
+            <a:off x="737038" y="365125"/>
             <a:ext cx="10717924" cy="1325563"/>
           </a:xfrm>
         </p:spPr>
@@ -4904,6 +4736,138 @@
 </p:sld>
 </file>
 
+<file path=ppt/slides/slide6.xml><?xml version="1.0" encoding="utf-8"?>
+<p:sld xmlns:a="http://schemas.openxmlformats.org/drawingml/2006/main" xmlns:r="http://schemas.openxmlformats.org/officeDocument/2006/relationships" xmlns:p="http://schemas.openxmlformats.org/presentationml/2006/main">
+  <p:cSld>
+    <p:spTree>
+      <p:nvGrpSpPr>
+        <p:cNvPr id="1" name=""/>
+        <p:cNvGrpSpPr/>
+        <p:nvPr/>
+      </p:nvGrpSpPr>
+      <p:grpSpPr>
+        <a:xfrm>
+          <a:off x="0" y="0"/>
+          <a:ext cx="0" cy="0"/>
+          <a:chOff x="0" y="0"/>
+          <a:chExt cx="0" cy="0"/>
+        </a:xfrm>
+      </p:grpSpPr>
+      <p:sp>
+        <p:nvSpPr>
+          <p:cNvPr id="2" name="タイトル 1">
+            <a:extLst>
+              <a:ext uri="{FF2B5EF4-FFF2-40B4-BE49-F238E27FC236}">
+                <a16:creationId xmlns:a16="http://schemas.microsoft.com/office/drawing/2014/main" id="{ADF9C916-80C9-45B8-87E7-390E0B12F8CD}"/>
+              </a:ext>
+            </a:extLst>
+          </p:cNvPr>
+          <p:cNvSpPr>
+            <a:spLocks noGrp="1"/>
+          </p:cNvSpPr>
+          <p:nvPr>
+            <p:ph type="title"/>
+          </p:nvPr>
+        </p:nvSpPr>
+        <p:spPr>
+          <a:xfrm>
+            <a:off x="476907" y="365125"/>
+            <a:ext cx="11238186" cy="1325563"/>
+          </a:xfrm>
+        </p:spPr>
+        <p:txBody>
+          <a:bodyPr>
+            <a:normAutofit/>
+          </a:bodyPr>
+          <a:lstStyle/>
+          <a:p>
+            <a:r>
+              <a:rPr kumimoji="1" lang="ja-JP" altLang="en-US" sz="4100" dirty="0"/>
+              <a:t>特徴②　観光スポットの情報が</a:t>
+            </a:r>
+            <a:r>
+              <a:rPr lang="ja-JP" altLang="en-US" sz="4100" dirty="0"/>
+              <a:t>まとまっている</a:t>
+            </a:r>
+            <a:endParaRPr kumimoji="1" lang="ja-JP" altLang="en-US" sz="4100" dirty="0"/>
+          </a:p>
+        </p:txBody>
+      </p:sp>
+      <p:sp>
+        <p:nvSpPr>
+          <p:cNvPr id="3" name="コンテンツ プレースホルダー 2">
+            <a:extLst>
+              <a:ext uri="{FF2B5EF4-FFF2-40B4-BE49-F238E27FC236}">
+                <a16:creationId xmlns:a16="http://schemas.microsoft.com/office/drawing/2014/main" id="{26099937-F424-425F-A2B6-59681B516427}"/>
+              </a:ext>
+            </a:extLst>
+          </p:cNvPr>
+          <p:cNvSpPr>
+            <a:spLocks noGrp="1"/>
+          </p:cNvSpPr>
+          <p:nvPr>
+            <p:ph idx="1"/>
+          </p:nvPr>
+        </p:nvSpPr>
+        <p:spPr/>
+        <p:txBody>
+          <a:bodyPr/>
+          <a:lstStyle/>
+          <a:p>
+            <a:r>
+              <a:rPr lang="ja-JP" altLang="en-US" dirty="0"/>
+              <a:t>得られる情報</a:t>
+            </a:r>
+            <a:endParaRPr lang="en-US" altLang="ja-JP" dirty="0"/>
+          </a:p>
+          <a:p>
+            <a:pPr marL="0" indent="0">
+              <a:buNone/>
+            </a:pPr>
+            <a:r>
+              <a:rPr kumimoji="1" lang="ja-JP" altLang="en-US" dirty="0"/>
+              <a:t>→観光スポットの所在地、連絡先、営業時間や定休日、</a:t>
+            </a:r>
+            <a:endParaRPr lang="en-US" altLang="ja-JP" dirty="0"/>
+          </a:p>
+          <a:p>
+            <a:pPr marL="0" indent="0">
+              <a:buNone/>
+            </a:pPr>
+            <a:r>
+              <a:rPr kumimoji="1" lang="ja-JP" altLang="en-US" dirty="0"/>
+              <a:t>　最寄りのバス停からの行き方、予算など</a:t>
+            </a:r>
+            <a:endParaRPr kumimoji="1" lang="en-US" altLang="ja-JP" dirty="0"/>
+          </a:p>
+          <a:p>
+            <a:pPr marL="0" indent="0">
+              <a:buNone/>
+            </a:pPr>
+            <a:endParaRPr lang="en-US" altLang="ja-JP" dirty="0"/>
+          </a:p>
+          <a:p>
+            <a:r>
+              <a:rPr lang="ja-JP" altLang="en-US" dirty="0"/>
+              <a:t>より詳しく知りたいときは、公式サイトに飛べる</a:t>
+            </a:r>
+            <a:endParaRPr kumimoji="1" lang="ja-JP" altLang="en-US" dirty="0"/>
+          </a:p>
+        </p:txBody>
+      </p:sp>
+    </p:spTree>
+    <p:extLst>
+      <p:ext uri="{BB962C8B-B14F-4D97-AF65-F5344CB8AC3E}">
+        <p14:creationId xmlns:p14="http://schemas.microsoft.com/office/powerpoint/2010/main" val="3498506259"/>
+      </p:ext>
+    </p:extLst>
+  </p:cSld>
+  <p:clrMapOvr>
+    <a:masterClrMapping/>
+  </p:clrMapOvr>
+</p:sld>
+</file>
+
 <file path=ppt/slides/slide7.xml><?xml version="1.0" encoding="utf-8"?>
 <p:sld xmlns:a="http://schemas.openxmlformats.org/drawingml/2006/main" xmlns:r="http://schemas.openxmlformats.org/officeDocument/2006/relationships" xmlns:p="http://schemas.openxmlformats.org/presentationml/2006/main">
   <p:cSld>
@@ -4926,7 +4890,7 @@
           <p:cNvPr id="2" name="タイトル 1">
             <a:extLst>
               <a:ext uri="{FF2B5EF4-FFF2-40B4-BE49-F238E27FC236}">
-                <a16:creationId xmlns:a16="http://schemas.microsoft.com/office/drawing/2014/main" id="{ADF9C916-80C9-45B8-87E7-390E0B12F8CD}"/>
+                <a16:creationId xmlns:a16="http://schemas.microsoft.com/office/drawing/2014/main" id="{DBCBAD79-F002-4873-89D9-1BBD41240CF4}"/>
               </a:ext>
             </a:extLst>
           </p:cNvPr>
@@ -4940,19 +4904,18 @@
         <p:spPr>
           <a:xfrm>
             <a:off x="838200" y="365125"/>
-            <a:ext cx="11238186" cy="1325563"/>
+            <a:ext cx="8605345" cy="1325563"/>
           </a:xfrm>
         </p:spPr>
         <p:txBody>
-          <a:bodyPr>
-            <a:normAutofit/>
-          </a:bodyPr>
-          <a:lstStyle/>
-          <a:p>
-            <a:r>
-              <a:rPr kumimoji="1" lang="ja-JP" altLang="en-US" sz="4100" dirty="0"/>
-              <a:t>特徴②　観光スポットの情報がまとめて見れる</a:t>
-            </a:r>
+          <a:bodyPr/>
+          <a:lstStyle/>
+          <a:p>
+            <a:r>
+              <a:rPr lang="ja-JP" altLang="en-US" dirty="0"/>
+              <a:t>特徴③　路線図ごとのマップ　</a:t>
+            </a:r>
+            <a:endParaRPr kumimoji="1" lang="ja-JP" altLang="en-US" dirty="0"/>
           </a:p>
         </p:txBody>
       </p:sp>
@@ -4961,7 +4924,7 @@
           <p:cNvPr id="3" name="コンテンツ プレースホルダー 2">
             <a:extLst>
               <a:ext uri="{FF2B5EF4-FFF2-40B4-BE49-F238E27FC236}">
-                <a16:creationId xmlns:a16="http://schemas.microsoft.com/office/drawing/2014/main" id="{26099937-F424-425F-A2B6-59681B516427}"/>
+                <a16:creationId xmlns:a16="http://schemas.microsoft.com/office/drawing/2014/main" id="{1CF1C36E-6996-4F25-9E09-8B4427370BDD}"/>
               </a:ext>
             </a:extLst>
           </p:cNvPr>
@@ -4978,8 +4941,20 @@
           <a:lstStyle/>
           <a:p>
             <a:r>
+              <a:rPr kumimoji="1" lang="ja-JP" altLang="en-US" dirty="0"/>
+              <a:t>ミニバスの路線ごとに</a:t>
+            </a:r>
+            <a:r>
+              <a:rPr kumimoji="1" lang="en-US" altLang="ja-JP" dirty="0"/>
+              <a:t>googl</a:t>
+            </a:r>
+            <a:r>
+              <a:rPr lang="en-US" altLang="ja-JP" dirty="0"/>
+              <a:t>e</a:t>
+            </a:r>
+            <a:r>
               <a:rPr lang="ja-JP" altLang="en-US" dirty="0"/>
-              <a:t>得られる情報</a:t>
+              <a:t>マップを作成</a:t>
             </a:r>
             <a:endParaRPr lang="en-US" altLang="ja-JP" dirty="0"/>
           </a:p>
@@ -4989,18 +4964,20 @@
             </a:pPr>
             <a:r>
               <a:rPr kumimoji="1" lang="ja-JP" altLang="en-US" dirty="0"/>
-              <a:t>→観光スポットの所在地、連絡先、営業時間や定休日、</a:t>
-            </a:r>
-            <a:endParaRPr lang="en-US" altLang="ja-JP" dirty="0"/>
+              <a:t>→バス停から観光スポットまでの距離感がつかみやすい</a:t>
+            </a:r>
+            <a:endParaRPr kumimoji="1" lang="en-US" altLang="ja-JP" dirty="0"/>
           </a:p>
           <a:p>
             <a:pPr marL="0" indent="0">
               <a:buNone/>
             </a:pPr>
-            <a:r>
-              <a:rPr kumimoji="1" lang="ja-JP" altLang="en-US" dirty="0"/>
-              <a:t>　最寄りのバス停からの行き方、予算など</a:t>
-            </a:r>
+            <a:endParaRPr kumimoji="1" lang="en-US" altLang="ja-JP" dirty="0"/>
+          </a:p>
+          <a:p>
+            <a:pPr marL="0" indent="0">
+              <a:buNone/>
+            </a:pPr>
             <a:endParaRPr kumimoji="1" lang="en-US" altLang="ja-JP" dirty="0"/>
           </a:p>
           <a:p>
@@ -5010,18 +4987,50 @@
             <a:endParaRPr lang="en-US" altLang="ja-JP" dirty="0"/>
           </a:p>
           <a:p>
-            <a:r>
-              <a:rPr lang="ja-JP" altLang="en-US" dirty="0"/>
-              <a:t>より詳しく知りたいときは、公式サイトに飛べる</a:t>
-            </a:r>
-            <a:endParaRPr kumimoji="1" lang="ja-JP" altLang="en-US" dirty="0"/>
-          </a:p>
-        </p:txBody>
-      </p:sp>
+            <a:endParaRPr lang="en-US" altLang="ja-JP" dirty="0"/>
+          </a:p>
+        </p:txBody>
+      </p:sp>
+      <p:pic>
+        <p:nvPicPr>
+          <p:cNvPr id="5" name="図 4">
+            <a:extLst>
+              <a:ext uri="{FF2B5EF4-FFF2-40B4-BE49-F238E27FC236}">
+                <a16:creationId xmlns:a16="http://schemas.microsoft.com/office/drawing/2014/main" id="{C60A7905-6444-493A-B26C-3FF4C06124D7}"/>
+              </a:ext>
+            </a:extLst>
+          </p:cNvPr>
+          <p:cNvPicPr>
+            <a:picLocks noChangeAspect="1"/>
+          </p:cNvPicPr>
+          <p:nvPr/>
+        </p:nvPicPr>
+        <p:blipFill>
+          <a:blip r:embed="rId2">
+            <a:extLst>
+              <a:ext uri="{28A0092B-C50C-407E-A947-70E740481C1C}">
+                <a14:useLocalDpi xmlns:a14="http://schemas.microsoft.com/office/drawing/2010/main" val="0"/>
+              </a:ext>
+            </a:extLst>
+          </a:blip>
+          <a:stretch>
+            <a:fillRect/>
+          </a:stretch>
+        </p:blipFill>
+        <p:spPr>
+          <a:xfrm>
+            <a:off x="7203687" y="3184634"/>
+            <a:ext cx="4479715" cy="3673366"/>
+          </a:xfrm>
+          <a:prstGeom prst="rect">
+            <a:avLst/>
+          </a:prstGeom>
+        </p:spPr>
+      </p:pic>
     </p:spTree>
     <p:extLst>
       <p:ext uri="{BB962C8B-B14F-4D97-AF65-F5344CB8AC3E}">
-        <p14:creationId xmlns:p14="http://schemas.microsoft.com/office/powerpoint/2010/main" val="3498506259"/>
+        <p14:creationId xmlns:p14="http://schemas.microsoft.com/office/powerpoint/2010/main" val="3635602890"/>
       </p:ext>
     </p:extLst>
   </p:cSld>
@@ -5053,135 +5062,40 @@
           <p:cNvPr id="2" name="タイトル 1">
             <a:extLst>
               <a:ext uri="{FF2B5EF4-FFF2-40B4-BE49-F238E27FC236}">
-                <a16:creationId xmlns:a16="http://schemas.microsoft.com/office/drawing/2014/main" id="{DBCBAD79-F002-4873-89D9-1BBD41240CF4}"/>
-              </a:ext>
-            </a:extLst>
-          </p:cNvPr>
-          <p:cNvSpPr>
-            <a:spLocks noGrp="1"/>
-          </p:cNvSpPr>
-          <p:nvPr>
-            <p:ph type="title"/>
-          </p:nvPr>
-        </p:nvSpPr>
-        <p:spPr/>
-        <p:txBody>
-          <a:bodyPr/>
-          <a:lstStyle/>
-          <a:p>
-            <a:endParaRPr kumimoji="1" lang="ja-JP" altLang="en-US" dirty="0"/>
-          </a:p>
-        </p:txBody>
-      </p:sp>
-      <p:sp>
-        <p:nvSpPr>
-          <p:cNvPr id="3" name="コンテンツ プレースホルダー 2">
-            <a:extLst>
-              <a:ext uri="{FF2B5EF4-FFF2-40B4-BE49-F238E27FC236}">
-                <a16:creationId xmlns:a16="http://schemas.microsoft.com/office/drawing/2014/main" id="{1CF1C36E-6996-4F25-9E09-8B4427370BDD}"/>
-              </a:ext>
-            </a:extLst>
-          </p:cNvPr>
-          <p:cNvSpPr>
-            <a:spLocks noGrp="1"/>
-          </p:cNvSpPr>
-          <p:nvPr>
-            <p:ph idx="1"/>
-          </p:nvPr>
-        </p:nvSpPr>
-        <p:spPr/>
-        <p:txBody>
-          <a:bodyPr/>
-          <a:lstStyle/>
-          <a:p>
-            <a:endParaRPr kumimoji="1" lang="ja-JP" altLang="en-US" dirty="0"/>
+                <a16:creationId xmlns:a16="http://schemas.microsoft.com/office/drawing/2014/main" id="{8F51E515-A9E5-4CA9-AB01-E03CF2909031}"/>
+              </a:ext>
+            </a:extLst>
+          </p:cNvPr>
+          <p:cNvSpPr>
+            <a:spLocks noGrp="1"/>
+          </p:cNvSpPr>
+          <p:nvPr>
+            <p:ph type="ctrTitle"/>
+          </p:nvPr>
+        </p:nvSpPr>
+        <p:spPr>
+          <a:xfrm>
+            <a:off x="1206062" y="2938517"/>
+            <a:ext cx="9779876" cy="980966"/>
+          </a:xfrm>
+        </p:spPr>
+        <p:txBody>
+          <a:bodyPr>
+            <a:normAutofit/>
+          </a:bodyPr>
+          <a:lstStyle/>
+          <a:p>
+            <a:r>
+              <a:rPr kumimoji="1" lang="ja-JP" altLang="en-US" sz="4800" dirty="0"/>
+              <a:t>ご清聴ありがとうございました！</a:t>
+            </a:r>
           </a:p>
         </p:txBody>
       </p:sp>
     </p:spTree>
     <p:extLst>
       <p:ext uri="{BB962C8B-B14F-4D97-AF65-F5344CB8AC3E}">
-        <p14:creationId xmlns:p14="http://schemas.microsoft.com/office/powerpoint/2010/main" val="3635602890"/>
-      </p:ext>
-    </p:extLst>
-  </p:cSld>
-  <p:clrMapOvr>
-    <a:masterClrMapping/>
-  </p:clrMapOvr>
-</p:sld>
-</file>
-
-<file path=ppt/slides/slide9.xml><?xml version="1.0" encoding="utf-8"?>
-<p:sld xmlns:a="http://schemas.openxmlformats.org/drawingml/2006/main" xmlns:r="http://schemas.openxmlformats.org/officeDocument/2006/relationships" xmlns:p="http://schemas.openxmlformats.org/presentationml/2006/main">
-  <p:cSld>
-    <p:spTree>
-      <p:nvGrpSpPr>
-        <p:cNvPr id="1" name=""/>
-        <p:cNvGrpSpPr/>
-        <p:nvPr/>
-      </p:nvGrpSpPr>
-      <p:grpSpPr>
-        <a:xfrm>
-          <a:off x="0" y="0"/>
-          <a:ext cx="0" cy="0"/>
-          <a:chOff x="0" y="0"/>
-          <a:chExt cx="0" cy="0"/>
-        </a:xfrm>
-      </p:grpSpPr>
-      <p:sp>
-        <p:nvSpPr>
-          <p:cNvPr id="2" name="タイトル 1">
-            <a:extLst>
-              <a:ext uri="{FF2B5EF4-FFF2-40B4-BE49-F238E27FC236}">
-                <a16:creationId xmlns:a16="http://schemas.microsoft.com/office/drawing/2014/main" id="{F9063546-E25E-48F5-8E10-E5C02D289F3A}"/>
-              </a:ext>
-            </a:extLst>
-          </p:cNvPr>
-          <p:cNvSpPr>
-            <a:spLocks noGrp="1"/>
-          </p:cNvSpPr>
-          <p:nvPr>
-            <p:ph type="title"/>
-          </p:nvPr>
-        </p:nvSpPr>
-        <p:spPr/>
-        <p:txBody>
-          <a:bodyPr/>
-          <a:lstStyle/>
-          <a:p>
-            <a:endParaRPr kumimoji="1" lang="ja-JP" altLang="en-US"/>
-          </a:p>
-        </p:txBody>
-      </p:sp>
-      <p:sp>
-        <p:nvSpPr>
-          <p:cNvPr id="3" name="コンテンツ プレースホルダー 2">
-            <a:extLst>
-              <a:ext uri="{FF2B5EF4-FFF2-40B4-BE49-F238E27FC236}">
-                <a16:creationId xmlns:a16="http://schemas.microsoft.com/office/drawing/2014/main" id="{C1F9248D-DA83-482F-92E3-C0708E6E009F}"/>
-              </a:ext>
-            </a:extLst>
-          </p:cNvPr>
-          <p:cNvSpPr>
-            <a:spLocks noGrp="1"/>
-          </p:cNvSpPr>
-          <p:nvPr>
-            <p:ph idx="1"/>
-          </p:nvPr>
-        </p:nvSpPr>
-        <p:spPr/>
-        <p:txBody>
-          <a:bodyPr/>
-          <a:lstStyle/>
-          <a:p>
-            <a:endParaRPr kumimoji="1" lang="ja-JP" altLang="en-US"/>
-          </a:p>
-        </p:txBody>
-      </p:sp>
-    </p:spTree>
-    <p:extLst>
-      <p:ext uri="{BB962C8B-B14F-4D97-AF65-F5344CB8AC3E}">
-        <p14:creationId xmlns:p14="http://schemas.microsoft.com/office/powerpoint/2010/main" val="922327972"/>
+        <p14:creationId xmlns:p14="http://schemas.microsoft.com/office/powerpoint/2010/main" val="3237772809"/>
       </p:ext>
     </p:extLst>
   </p:cSld>

--- a/design/powerpoint/ミニバス旅.pptx
+++ b/design/powerpoint/ミニバス旅.pptx
@@ -6,15 +6,14 @@
   </p:sldMasterIdLst>
   <p:sldIdLst>
     <p:sldId id="256" r:id="rId2"/>
-    <p:sldId id="261" r:id="rId3"/>
-    <p:sldId id="265" r:id="rId4"/>
-    <p:sldId id="262" r:id="rId5"/>
+    <p:sldId id="265" r:id="rId3"/>
+    <p:sldId id="261" r:id="rId4"/>
+    <p:sldId id="270" r:id="rId5"/>
     <p:sldId id="263" r:id="rId6"/>
     <p:sldId id="264" r:id="rId7"/>
     <p:sldId id="266" r:id="rId8"/>
     <p:sldId id="267" r:id="rId9"/>
-    <p:sldId id="268" r:id="rId10"/>
-    <p:sldId id="269" r:id="rId11"/>
+    <p:sldId id="269" r:id="rId10"/>
   </p:sldIdLst>
   <p:sldSz cx="12192000" cy="6858000"/>
   <p:notesSz cx="6858000" cy="9144000"/>
@@ -119,6 +118,58 @@
     </p:ext>
   </p:extLst>
 </p:presentation>
+</file>
+
+<file path=ppt/revisionInfo.xml><?xml version="1.0" encoding="utf-8"?>
+<p1510:revInfo xmlns:a="http://schemas.openxmlformats.org/drawingml/2006/main" xmlns:r="http://schemas.openxmlformats.org/officeDocument/2006/relationships" xmlns:p1510="http://schemas.microsoft.com/office/powerpoint/2015/10/main">
+  <p1510:revLst>
+    <p1510:client id="{FABA0339-5C95-43AA-9454-B77E335B7E17}" v="22" dt="2018-06-15T05:14:52.089"/>
+  </p1510:revLst>
+</p1510:revInfo>
+</file>
+
+<file path=ppt/changesInfos/changesInfo1.xml><?xml version="1.0" encoding="utf-8"?>
+<pc:chgInfo xmlns:a="http://schemas.openxmlformats.org/drawingml/2006/main" xmlns:r="http://schemas.openxmlformats.org/officeDocument/2006/relationships" xmlns:ac="http://schemas.microsoft.com/office/drawing/2013/main/command" xmlns:pc="http://schemas.microsoft.com/office/powerpoint/2013/main/command">
+  <pc:docChgLst>
+    <pc:chgData name="多田 千尋" userId="395fad7551dd02d5" providerId="LiveId" clId="{FABA0339-5C95-43AA-9454-B77E335B7E17}"/>
+    <pc:docChg chg="addSld delSld modSld sldOrd">
+      <pc:chgData name="多田 千尋" userId="395fad7551dd02d5" providerId="LiveId" clId="{FABA0339-5C95-43AA-9454-B77E335B7E17}" dt="2018-06-15T05:14:52.089" v="21" actId="2696"/>
+      <pc:docMkLst>
+        <pc:docMk/>
+      </pc:docMkLst>
+      <pc:sldChg chg="add del ord">
+        <pc:chgData name="多田 千尋" userId="395fad7551dd02d5" providerId="LiveId" clId="{FABA0339-5C95-43AA-9454-B77E335B7E17}" dt="2018-06-15T05:13:48.897" v="2" actId="2696"/>
+        <pc:sldMkLst>
+          <pc:docMk/>
+          <pc:sldMk cId="2046579074" sldId="271"/>
+        </pc:sldMkLst>
+      </pc:sldChg>
+      <pc:sldChg chg="delSp modSp add del">
+        <pc:chgData name="多田 千尋" userId="395fad7551dd02d5" providerId="LiveId" clId="{FABA0339-5C95-43AA-9454-B77E335B7E17}" dt="2018-06-15T05:14:52.089" v="21" actId="2696"/>
+        <pc:sldMkLst>
+          <pc:docMk/>
+          <pc:sldMk cId="3239496262" sldId="271"/>
+        </pc:sldMkLst>
+        <pc:spChg chg="mod">
+          <ac:chgData name="多田 千尋" userId="395fad7551dd02d5" providerId="LiveId" clId="{FABA0339-5C95-43AA-9454-B77E335B7E17}" dt="2018-06-15T05:14:34.109" v="20" actId="20577"/>
+          <ac:spMkLst>
+            <pc:docMk/>
+            <pc:sldMk cId="3239496262" sldId="271"/>
+            <ac:spMk id="2" creationId="{3D82E430-4366-42FC-9925-C049A1C41119}"/>
+          </ac:spMkLst>
+        </pc:spChg>
+        <pc:spChg chg="del">
+          <ac:chgData name="多田 千尋" userId="395fad7551dd02d5" providerId="LiveId" clId="{FABA0339-5C95-43AA-9454-B77E335B7E17}" dt="2018-06-15T05:14:03.144" v="4"/>
+          <ac:spMkLst>
+            <pc:docMk/>
+            <pc:sldMk cId="3239496262" sldId="271"/>
+            <ac:spMk id="3" creationId="{615F8705-9B4B-4E42-A5B7-2972F650CB14}"/>
+          </ac:spMkLst>
+        </pc:spChg>
+      </pc:sldChg>
+    </pc:docChg>
+  </pc:docChgLst>
+</pc:chgInfo>
 </file>
 
 <file path=ppt/slideLayouts/slideLayout1.xml><?xml version="1.0" encoding="utf-8"?>
@@ -3651,7 +3702,15 @@
           <a:p>
             <a:r>
               <a:rPr kumimoji="1" lang="ja-JP" altLang="en-US" dirty="0"/>
-              <a:t>ミニバス旅</a:t>
+              <a:t>みに</a:t>
+            </a:r>
+            <a:r>
+              <a:rPr kumimoji="1" lang="ja-JP" altLang="en-US" dirty="0" err="1"/>
+              <a:t>ばす</a:t>
+            </a:r>
+            <a:r>
+              <a:rPr kumimoji="1" lang="ja-JP" altLang="en-US" dirty="0"/>
+              <a:t>旅</a:t>
             </a:r>
           </a:p>
         </p:txBody>
@@ -3679,7 +3738,7 @@
           <a:p>
             <a:r>
               <a:rPr lang="en-US" altLang="ja-JP" dirty="0" err="1"/>
-              <a:t>groupA</a:t>
+              <a:t>GroupA</a:t>
             </a:r>
             <a:endParaRPr kumimoji="1" lang="ja-JP" altLang="en-US" dirty="0"/>
           </a:p>
@@ -3698,7 +3757,7 @@
 </p:sld>
 </file>
 
-<file path=ppt/slides/slide10.xml><?xml version="1.0" encoding="utf-8"?>
+<file path=ppt/slides/slide2.xml><?xml version="1.0" encoding="utf-8"?>
 <p:sld xmlns:a="http://schemas.openxmlformats.org/drawingml/2006/main" xmlns:r="http://schemas.openxmlformats.org/officeDocument/2006/relationships" xmlns:p="http://schemas.openxmlformats.org/presentationml/2006/main">
   <p:cSld>
     <p:spTree>
@@ -3720,21 +3779,58 @@
           <p:cNvPr id="2" name="タイトル 1">
             <a:extLst>
               <a:ext uri="{FF2B5EF4-FFF2-40B4-BE49-F238E27FC236}">
-                <a16:creationId xmlns:a16="http://schemas.microsoft.com/office/drawing/2014/main" id="{8F51E515-A9E5-4CA9-AB01-E03CF2909031}"/>
-              </a:ext>
-            </a:extLst>
-          </p:cNvPr>
-          <p:cNvSpPr>
-            <a:spLocks noGrp="1"/>
-          </p:cNvSpPr>
-          <p:nvPr>
-            <p:ph type="ctrTitle"/>
+                <a16:creationId xmlns:a16="http://schemas.microsoft.com/office/drawing/2014/main" id="{4850D2EB-7949-421F-9B97-3BD37B3E01DC}"/>
+              </a:ext>
+            </a:extLst>
+          </p:cNvPr>
+          <p:cNvSpPr>
+            <a:spLocks noGrp="1"/>
+          </p:cNvSpPr>
+          <p:nvPr>
+            <p:ph type="title"/>
+          </p:nvPr>
+        </p:nvSpPr>
+        <p:spPr/>
+        <p:txBody>
+          <a:bodyPr/>
+          <a:lstStyle/>
+          <a:p>
+            <a:r>
+              <a:rPr lang="ja-JP" altLang="en-US" dirty="0"/>
+              <a:t>みに</a:t>
+            </a:r>
+            <a:r>
+              <a:rPr lang="ja-JP" altLang="en-US" dirty="0" err="1"/>
+              <a:t>ばす</a:t>
+            </a:r>
+            <a:r>
+              <a:rPr lang="ja-JP" altLang="en-US" dirty="0"/>
+              <a:t>旅とは</a:t>
+            </a:r>
+            <a:endParaRPr kumimoji="1" lang="ja-JP" altLang="en-US" dirty="0"/>
+          </a:p>
+        </p:txBody>
+      </p:sp>
+      <p:sp>
+        <p:nvSpPr>
+          <p:cNvPr id="7" name="コンテンツ プレースホルダー 2">
+            <a:extLst>
+              <a:ext uri="{FF2B5EF4-FFF2-40B4-BE49-F238E27FC236}">
+                <a16:creationId xmlns:a16="http://schemas.microsoft.com/office/drawing/2014/main" id="{186F999A-5BD3-4F85-BC64-C30F2E486C37}"/>
+              </a:ext>
+            </a:extLst>
+          </p:cNvPr>
+          <p:cNvSpPr>
+            <a:spLocks noGrp="1"/>
+          </p:cNvSpPr>
+          <p:nvPr>
+            <p:ph idx="1"/>
           </p:nvPr>
         </p:nvSpPr>
         <p:spPr>
           <a:xfrm>
-            <a:off x="1206062" y="2938517"/>
-            <a:ext cx="9779876" cy="980966"/>
+            <a:off x="1075996" y="2627312"/>
+            <a:ext cx="10040007" cy="1603375"/>
           </a:xfrm>
         </p:spPr>
         <p:txBody>
@@ -3743,9 +3839,12 @@
           </a:bodyPr>
           <a:lstStyle/>
           <a:p>
+            <a:pPr marL="0" indent="0">
+              <a:buNone/>
+            </a:pPr>
             <a:r>
               <a:rPr kumimoji="1" lang="ja-JP" altLang="en-US" sz="4800" dirty="0"/>
-              <a:t>ご清聴ありがとうございました！</a:t>
+              <a:t>「ミニバス」を利用した観光を提案する観光サイト</a:t>
             </a:r>
           </a:p>
         </p:txBody>
@@ -3753,7 +3852,7 @@
     </p:spTree>
     <p:extLst>
       <p:ext uri="{BB962C8B-B14F-4D97-AF65-F5344CB8AC3E}">
-        <p14:creationId xmlns:p14="http://schemas.microsoft.com/office/powerpoint/2010/main" val="3237772809"/>
+        <p14:creationId xmlns:p14="http://schemas.microsoft.com/office/powerpoint/2010/main" val="195507082"/>
       </p:ext>
     </p:extLst>
   </p:cSld>
@@ -3763,7 +3862,7 @@
 </p:sld>
 </file>
 
-<file path=ppt/slides/slide2.xml><?xml version="1.0" encoding="utf-8"?>
+<file path=ppt/slides/slide3.xml><?xml version="1.0" encoding="utf-8"?>
 <p:sld xmlns:a="http://schemas.openxmlformats.org/drawingml/2006/main" xmlns:r="http://schemas.openxmlformats.org/officeDocument/2006/relationships" xmlns:p="http://schemas.openxmlformats.org/presentationml/2006/main">
   <p:cSld>
     <p:bg>
@@ -3831,8 +3930,8 @@
         </p:nvSpPr>
         <p:spPr>
           <a:xfrm>
-            <a:off x="412529" y="2376022"/>
-            <a:ext cx="10728437" cy="1443806"/>
+            <a:off x="3141279" y="2376022"/>
+            <a:ext cx="5909443" cy="1443806"/>
           </a:xfrm>
         </p:spPr>
         <p:txBody>
@@ -3846,7 +3945,7 @@
             </a:pPr>
             <a:r>
               <a:rPr lang="ja-JP" altLang="en-US" sz="4800" dirty="0"/>
-              <a:t>日野市の路線バス「ミニバス」</a:t>
+              <a:t>「ミニバス」</a:t>
             </a:r>
             <a:r>
               <a:rPr lang="en-US" altLang="ja-JP" sz="4800" dirty="0"/>
@@ -3875,7 +3974,7 @@
         <p:spPr>
           <a:xfrm>
             <a:off x="1776248" y="3580220"/>
-            <a:ext cx="8639503" cy="1077218"/>
+            <a:ext cx="8639503" cy="584775"/>
           </a:xfrm>
           <a:prstGeom prst="rect">
             <a:avLst/>
@@ -3890,14 +3989,7 @@
           <a:p>
             <a:r>
               <a:rPr lang="ja-JP" altLang="en-US" sz="3200" dirty="0"/>
-              <a:t>→主に若者のミニバス利用者数増加と</a:t>
-            </a:r>
-            <a:endParaRPr lang="en-US" altLang="ja-JP" sz="3200" dirty="0"/>
-          </a:p>
-          <a:p>
-            <a:r>
-              <a:rPr lang="ja-JP" altLang="en-US" sz="3200" dirty="0"/>
-              <a:t>　　　　　　　　　　観光者数増加を目指す</a:t>
+              <a:t>→ミニバスを利用した新しい観光を提案する</a:t>
             </a:r>
             <a:endParaRPr kumimoji="1" lang="ja-JP" altLang="en-US" sz="3200" dirty="0"/>
           </a:p>
@@ -3952,116 +4044,6 @@
 </p:sld>
 </file>
 
-<file path=ppt/slides/slide3.xml><?xml version="1.0" encoding="utf-8"?>
-<p:sld xmlns:a="http://schemas.openxmlformats.org/drawingml/2006/main" xmlns:r="http://schemas.openxmlformats.org/officeDocument/2006/relationships" xmlns:p="http://schemas.openxmlformats.org/presentationml/2006/main">
-  <p:cSld>
-    <p:spTree>
-      <p:nvGrpSpPr>
-        <p:cNvPr id="1" name=""/>
-        <p:cNvGrpSpPr/>
-        <p:nvPr/>
-      </p:nvGrpSpPr>
-      <p:grpSpPr>
-        <a:xfrm>
-          <a:off x="0" y="0"/>
-          <a:ext cx="0" cy="0"/>
-          <a:chOff x="0" y="0"/>
-          <a:chExt cx="0" cy="0"/>
-        </a:xfrm>
-      </p:grpSpPr>
-      <p:sp>
-        <p:nvSpPr>
-          <p:cNvPr id="2" name="タイトル 1">
-            <a:extLst>
-              <a:ext uri="{FF2B5EF4-FFF2-40B4-BE49-F238E27FC236}">
-                <a16:creationId xmlns:a16="http://schemas.microsoft.com/office/drawing/2014/main" id="{4850D2EB-7949-421F-9B97-3BD37B3E01DC}"/>
-              </a:ext>
-            </a:extLst>
-          </p:cNvPr>
-          <p:cNvSpPr>
-            <a:spLocks noGrp="1"/>
-          </p:cNvSpPr>
-          <p:nvPr>
-            <p:ph type="title"/>
-          </p:nvPr>
-        </p:nvSpPr>
-        <p:spPr/>
-        <p:txBody>
-          <a:bodyPr/>
-          <a:lstStyle/>
-          <a:p>
-            <a:r>
-              <a:rPr kumimoji="1" lang="ja-JP" altLang="en-US" dirty="0"/>
-              <a:t>概要</a:t>
-            </a:r>
-          </a:p>
-        </p:txBody>
-      </p:sp>
-      <p:sp>
-        <p:nvSpPr>
-          <p:cNvPr id="3" name="コンテンツ プレースホルダー 2">
-            <a:extLst>
-              <a:ext uri="{FF2B5EF4-FFF2-40B4-BE49-F238E27FC236}">
-                <a16:creationId xmlns:a16="http://schemas.microsoft.com/office/drawing/2014/main" id="{6BB6C05F-1C9C-4553-BF15-0724640D136E}"/>
-              </a:ext>
-            </a:extLst>
-          </p:cNvPr>
-          <p:cNvSpPr>
-            <a:spLocks noGrp="1"/>
-          </p:cNvSpPr>
-          <p:nvPr>
-            <p:ph idx="1"/>
-          </p:nvPr>
-        </p:nvSpPr>
-        <p:spPr/>
-        <p:txBody>
-          <a:bodyPr/>
-          <a:lstStyle/>
-          <a:p>
-            <a:r>
-              <a:rPr kumimoji="1" lang="ja-JP" altLang="en-US" dirty="0"/>
-              <a:t>ルート周辺の観光スポットをテーマごとに分類</a:t>
-            </a:r>
-            <a:endParaRPr kumimoji="1" lang="en-US" altLang="ja-JP" dirty="0"/>
-          </a:p>
-          <a:p>
-            <a:r>
-              <a:rPr lang="ja-JP" altLang="en-US" dirty="0"/>
-              <a:t>観光ルートの作成</a:t>
-            </a:r>
-            <a:endParaRPr lang="en-US" altLang="ja-JP" dirty="0"/>
-          </a:p>
-          <a:p>
-            <a:r>
-              <a:rPr kumimoji="1" lang="ja-JP" altLang="en-US" dirty="0"/>
-              <a:t>観光サイトでの提案</a:t>
-            </a:r>
-            <a:endParaRPr kumimoji="1" lang="en-US" altLang="ja-JP" dirty="0"/>
-          </a:p>
-          <a:p>
-            <a:endParaRPr kumimoji="1" lang="en-US" altLang="ja-JP" dirty="0"/>
-          </a:p>
-          <a:p>
-            <a:endParaRPr kumimoji="1" lang="en-US" altLang="ja-JP" dirty="0"/>
-          </a:p>
-          <a:p>
-            <a:endParaRPr kumimoji="1" lang="en-US" altLang="ja-JP" dirty="0"/>
-          </a:p>
-        </p:txBody>
-      </p:sp>
-    </p:spTree>
-    <p:extLst>
-      <p:ext uri="{BB962C8B-B14F-4D97-AF65-F5344CB8AC3E}">
-        <p14:creationId xmlns:p14="http://schemas.microsoft.com/office/powerpoint/2010/main" val="195507082"/>
-      </p:ext>
-    </p:extLst>
-  </p:cSld>
-  <p:clrMapOvr>
-    <a:masterClrMapping/>
-  </p:clrMapOvr>
-</p:sld>
-</file>
-
 <file path=ppt/slides/slide4.xml><?xml version="1.0" encoding="utf-8"?>
 <p:sld xmlns:a="http://schemas.openxmlformats.org/drawingml/2006/main" xmlns:r="http://schemas.openxmlformats.org/officeDocument/2006/relationships" xmlns:p="http://schemas.openxmlformats.org/presentationml/2006/main">
   <p:cSld>
@@ -4084,7 +4066,7 @@
           <p:cNvPr id="2" name="タイトル 1">
             <a:extLst>
               <a:ext uri="{FF2B5EF4-FFF2-40B4-BE49-F238E27FC236}">
-                <a16:creationId xmlns:a16="http://schemas.microsoft.com/office/drawing/2014/main" id="{C3D92D5D-D5AA-4B57-A30A-B687A59690EC}"/>
+                <a16:creationId xmlns:a16="http://schemas.microsoft.com/office/drawing/2014/main" id="{9C253024-4DF4-43FA-993C-A6BBE58EE387}"/>
               </a:ext>
             </a:extLst>
           </p:cNvPr>
@@ -4102,7 +4084,7 @@
           <a:p>
             <a:r>
               <a:rPr kumimoji="1" lang="ja-JP" altLang="en-US" dirty="0"/>
-              <a:t>使用したオープンデータ</a:t>
+              <a:t>ミニバスのメリット</a:t>
             </a:r>
           </a:p>
         </p:txBody>
@@ -4112,7 +4094,7 @@
           <p:cNvPr id="3" name="コンテンツ プレースホルダー 2">
             <a:extLst>
               <a:ext uri="{FF2B5EF4-FFF2-40B4-BE49-F238E27FC236}">
-                <a16:creationId xmlns:a16="http://schemas.microsoft.com/office/drawing/2014/main" id="{4B874792-4D0A-4AE4-BA28-CE798E16CA42}"/>
+                <a16:creationId xmlns:a16="http://schemas.microsoft.com/office/drawing/2014/main" id="{F67291A2-6DE8-44B2-B3AC-1D325EE53DFB}"/>
               </a:ext>
             </a:extLst>
           </p:cNvPr>
@@ -4123,30 +4105,161 @@
             <p:ph idx="1"/>
           </p:nvPr>
         </p:nvSpPr>
-        <p:spPr/>
+        <p:spPr>
+          <a:xfrm>
+            <a:off x="838200" y="1825625"/>
+            <a:ext cx="10515600" cy="3145870"/>
+          </a:xfrm>
+        </p:spPr>
         <p:txBody>
           <a:bodyPr/>
           <a:lstStyle/>
           <a:p>
             <a:r>
               <a:rPr kumimoji="1" lang="ja-JP" altLang="en-US" dirty="0"/>
-              <a:t>ミニバスの路線図に関するデータ</a:t>
-            </a:r>
-            <a:endParaRPr kumimoji="1" lang="en-US" altLang="ja-JP" dirty="0"/>
-          </a:p>
-          <a:p>
+              <a:t>日野市には</a:t>
+            </a:r>
+            <a:r>
+              <a:rPr kumimoji="1" lang="en-US" altLang="ja-JP" dirty="0"/>
+              <a:t>7</a:t>
+            </a:r>
+            <a:r>
+              <a:rPr kumimoji="1" lang="ja-JP" altLang="en-US" dirty="0" err="1"/>
+              <a:t>つの</a:t>
+            </a:r>
+            <a:r>
+              <a:rPr kumimoji="1" lang="ja-JP" altLang="en-US" dirty="0"/>
+              <a:t>路線</a:t>
+            </a:r>
+            <a:endParaRPr lang="en-US" altLang="ja-JP" dirty="0"/>
+          </a:p>
+          <a:p>
+            <a:pPr marL="0" indent="0">
+              <a:buNone/>
+            </a:pPr>
             <a:r>
               <a:rPr lang="ja-JP" altLang="en-US" dirty="0"/>
-              <a:t>ミニバスのバス停に関するデータ</a:t>
-            </a:r>
-            <a:endParaRPr kumimoji="1" lang="ja-JP" altLang="en-US" dirty="0"/>
-          </a:p>
-        </p:txBody>
-      </p:sp>
+              <a:t>→日野市全体を網羅できる</a:t>
+            </a:r>
+            <a:endParaRPr lang="en-US" altLang="ja-JP" dirty="0"/>
+          </a:p>
+          <a:p>
+            <a:r>
+              <a:rPr lang="ja-JP" altLang="en-US" dirty="0"/>
+              <a:t>電車に比べて速度がゆっくり</a:t>
+            </a:r>
+            <a:endParaRPr lang="en-US" altLang="ja-JP" dirty="0"/>
+          </a:p>
+          <a:p>
+            <a:pPr marL="0" indent="0">
+              <a:buNone/>
+            </a:pPr>
+            <a:r>
+              <a:rPr lang="ja-JP" altLang="en-US" dirty="0"/>
+              <a:t>→景色を楽しめる</a:t>
+            </a:r>
+            <a:endParaRPr lang="en-US" altLang="ja-JP" dirty="0"/>
+          </a:p>
+          <a:p>
+            <a:pPr marL="0" indent="0">
+              <a:buNone/>
+            </a:pPr>
+            <a:r>
+              <a:rPr lang="ja-JP" altLang="en-US" dirty="0"/>
+              <a:t>→目的地以外にも目が向く</a:t>
+            </a:r>
+            <a:endParaRPr lang="en-US" altLang="ja-JP" dirty="0"/>
+          </a:p>
+        </p:txBody>
+      </p:sp>
+      <p:sp>
+        <p:nvSpPr>
+          <p:cNvPr id="5" name="テキスト ボックス 4">
+            <a:extLst>
+              <a:ext uri="{FF2B5EF4-FFF2-40B4-BE49-F238E27FC236}">
+                <a16:creationId xmlns:a16="http://schemas.microsoft.com/office/drawing/2014/main" id="{1F585399-4007-46AE-9359-0F31BFB2D632}"/>
+              </a:ext>
+            </a:extLst>
+          </p:cNvPr>
+          <p:cNvSpPr txBox="1"/>
+          <p:nvPr/>
+        </p:nvSpPr>
+        <p:spPr>
+          <a:xfrm>
+            <a:off x="838200" y="5530789"/>
+            <a:ext cx="8392041" cy="584775"/>
+          </a:xfrm>
+          <a:prstGeom prst="rect">
+            <a:avLst/>
+          </a:prstGeom>
+          <a:noFill/>
+        </p:spPr>
+        <p:txBody>
+          <a:bodyPr wrap="none" rtlCol="0">
+            <a:spAutoFit/>
+          </a:bodyPr>
+          <a:lstStyle/>
+          <a:p>
+            <a:r>
+              <a:rPr lang="ja-JP" altLang="en-US" sz="3200" dirty="0">
+                <a:solidFill>
+                  <a:schemeClr val="accent1">
+                    <a:lumMod val="50000"/>
+                  </a:schemeClr>
+                </a:solidFill>
+              </a:rPr>
+              <a:t>観光客により日野市について知ってもらえる</a:t>
+            </a:r>
+            <a:endParaRPr lang="en-US" altLang="ja-JP" sz="3200" dirty="0">
+              <a:solidFill>
+                <a:schemeClr val="accent1">
+                  <a:lumMod val="50000"/>
+                </a:schemeClr>
+              </a:solidFill>
+            </a:endParaRPr>
+          </a:p>
+        </p:txBody>
+      </p:sp>
+      <p:pic>
+        <p:nvPicPr>
+          <p:cNvPr id="8" name="図 7">
+            <a:extLst>
+              <a:ext uri="{FF2B5EF4-FFF2-40B4-BE49-F238E27FC236}">
+                <a16:creationId xmlns:a16="http://schemas.microsoft.com/office/drawing/2014/main" id="{45A308ED-0189-4BAF-A323-07F990988658}"/>
+              </a:ext>
+            </a:extLst>
+          </p:cNvPr>
+          <p:cNvPicPr>
+            <a:picLocks noChangeAspect="1"/>
+          </p:cNvPicPr>
+          <p:nvPr/>
+        </p:nvPicPr>
+        <p:blipFill>
+          <a:blip r:embed="rId2">
+            <a:extLst>
+              <a:ext uri="{28A0092B-C50C-407E-A947-70E740481C1C}">
+                <a14:useLocalDpi xmlns:a14="http://schemas.microsoft.com/office/drawing/2010/main" val="0"/>
+              </a:ext>
+            </a:extLst>
+          </a:blip>
+          <a:stretch>
+            <a:fillRect/>
+          </a:stretch>
+        </p:blipFill>
+        <p:spPr>
+          <a:xfrm>
+            <a:off x="5962140" y="1513044"/>
+            <a:ext cx="5391660" cy="3831911"/>
+          </a:xfrm>
+          <a:prstGeom prst="rect">
+            <a:avLst/>
+          </a:prstGeom>
+        </p:spPr>
+      </p:pic>
     </p:spTree>
     <p:extLst>
       <p:ext uri="{BB962C8B-B14F-4D97-AF65-F5344CB8AC3E}">
-        <p14:creationId xmlns:p14="http://schemas.microsoft.com/office/powerpoint/2010/main" val="370370633"/>
+        <p14:creationId xmlns:p14="http://schemas.microsoft.com/office/powerpoint/2010/main" val="3943827355"/>
       </p:ext>
     </p:extLst>
   </p:cSld>
@@ -4231,7 +4344,7 @@
         </p:blipFill>
         <p:spPr>
           <a:xfrm>
-            <a:off x="7925537" y="2506662"/>
+            <a:off x="7069755" y="1342498"/>
             <a:ext cx="1863964" cy="4351338"/>
           </a:xfrm>
         </p:spPr>
@@ -4264,7 +4377,7 @@
         </p:blipFill>
         <p:spPr>
           <a:xfrm>
-            <a:off x="9941901" y="150545"/>
+            <a:off x="9361610" y="150546"/>
             <a:ext cx="1564299" cy="6556909"/>
           </a:xfrm>
           <a:prstGeom prst="rect">
@@ -4484,7 +4597,7 @@
         </p:nvSpPr>
         <p:spPr>
           <a:xfrm>
-            <a:off x="990600" y="1978025"/>
+            <a:off x="838200" y="1978025"/>
             <a:ext cx="10515600" cy="4351338"/>
           </a:xfrm>
           <a:prstGeom prst="rect">
@@ -4685,7 +4798,7 @@
           <a:p>
             <a:r>
               <a:rPr lang="ja-JP" altLang="en-US" dirty="0"/>
-              <a:t>優しい色合いと丸みがかったデザインで</a:t>
+              <a:t>優しい色合いと丸みのあるデザイン</a:t>
             </a:r>
             <a:endParaRPr lang="en-US" altLang="ja-JP" dirty="0"/>
           </a:p>
@@ -4695,7 +4808,7 @@
             </a:pPr>
             <a:r>
               <a:rPr lang="ja-JP" altLang="en-US" dirty="0"/>
-              <a:t>　若者にも利用しやすく</a:t>
+              <a:t>→若者も利用しやすく</a:t>
             </a:r>
             <a:endParaRPr lang="en-US" altLang="ja-JP" dirty="0"/>
           </a:p>
@@ -4749,7 +4862,7 @@
         </p:nvSpPr>
         <p:spPr>
           <a:xfrm>
-            <a:off x="838200" y="365125"/>
+            <a:off x="737038" y="365125"/>
             <a:ext cx="10717924" cy="1325563"/>
           </a:xfrm>
         </p:spPr>
@@ -4939,7 +5052,7 @@
         </p:nvSpPr>
         <p:spPr>
           <a:xfrm>
-            <a:off x="838200" y="365125"/>
+            <a:off x="476907" y="365125"/>
             <a:ext cx="11238186" cy="1325563"/>
           </a:xfrm>
         </p:spPr>
@@ -4951,8 +5064,13 @@
           <a:p>
             <a:r>
               <a:rPr kumimoji="1" lang="ja-JP" altLang="en-US" sz="4100" dirty="0"/>
-              <a:t>特徴②　観光スポットの情報がまとめて見れる</a:t>
-            </a:r>
+              <a:t>特徴②　観光スポットの情報が</a:t>
+            </a:r>
+            <a:r>
+              <a:rPr lang="ja-JP" altLang="en-US" sz="4100" dirty="0"/>
+              <a:t>まとまっている</a:t>
+            </a:r>
+            <a:endParaRPr kumimoji="1" lang="ja-JP" altLang="en-US" sz="4100" dirty="0"/>
           </a:p>
         </p:txBody>
       </p:sp>
@@ -5064,40 +5182,132 @@
             <p:ph type="title"/>
           </p:nvPr>
         </p:nvSpPr>
+        <p:spPr>
+          <a:xfrm>
+            <a:off x="838200" y="365125"/>
+            <a:ext cx="8605345" cy="1325563"/>
+          </a:xfrm>
+        </p:spPr>
+        <p:txBody>
+          <a:bodyPr/>
+          <a:lstStyle/>
+          <a:p>
+            <a:r>
+              <a:rPr lang="ja-JP" altLang="en-US" dirty="0"/>
+              <a:t>特徴③　路線図ごとのマップ　</a:t>
+            </a:r>
+            <a:endParaRPr kumimoji="1" lang="ja-JP" altLang="en-US" dirty="0"/>
+          </a:p>
+        </p:txBody>
+      </p:sp>
+      <p:sp>
+        <p:nvSpPr>
+          <p:cNvPr id="3" name="コンテンツ プレースホルダー 2">
+            <a:extLst>
+              <a:ext uri="{FF2B5EF4-FFF2-40B4-BE49-F238E27FC236}">
+                <a16:creationId xmlns:a16="http://schemas.microsoft.com/office/drawing/2014/main" id="{1CF1C36E-6996-4F25-9E09-8B4427370BDD}"/>
+              </a:ext>
+            </a:extLst>
+          </p:cNvPr>
+          <p:cNvSpPr>
+            <a:spLocks noGrp="1"/>
+          </p:cNvSpPr>
+          <p:nvPr>
+            <p:ph idx="1"/>
+          </p:nvPr>
+        </p:nvSpPr>
         <p:spPr/>
         <p:txBody>
           <a:bodyPr/>
           <a:lstStyle/>
           <a:p>
-            <a:endParaRPr kumimoji="1" lang="ja-JP" altLang="en-US" dirty="0"/>
-          </a:p>
-        </p:txBody>
-      </p:sp>
-      <p:sp>
-        <p:nvSpPr>
-          <p:cNvPr id="3" name="コンテンツ プレースホルダー 2">
-            <a:extLst>
-              <a:ext uri="{FF2B5EF4-FFF2-40B4-BE49-F238E27FC236}">
-                <a16:creationId xmlns:a16="http://schemas.microsoft.com/office/drawing/2014/main" id="{1CF1C36E-6996-4F25-9E09-8B4427370BDD}"/>
-              </a:ext>
-            </a:extLst>
-          </p:cNvPr>
-          <p:cNvSpPr>
-            <a:spLocks noGrp="1"/>
-          </p:cNvSpPr>
-          <p:nvPr>
-            <p:ph idx="1"/>
-          </p:nvPr>
-        </p:nvSpPr>
-        <p:spPr/>
-        <p:txBody>
-          <a:bodyPr/>
-          <a:lstStyle/>
-          <a:p>
-            <a:endParaRPr kumimoji="1" lang="ja-JP" altLang="en-US" dirty="0"/>
-          </a:p>
-        </p:txBody>
-      </p:sp>
+            <a:r>
+              <a:rPr kumimoji="1" lang="ja-JP" altLang="en-US" dirty="0"/>
+              <a:t>ミニバスの路線ごとに</a:t>
+            </a:r>
+            <a:r>
+              <a:rPr kumimoji="1" lang="en-US" altLang="ja-JP" dirty="0"/>
+              <a:t>googl</a:t>
+            </a:r>
+            <a:r>
+              <a:rPr lang="en-US" altLang="ja-JP" dirty="0"/>
+              <a:t>e</a:t>
+            </a:r>
+            <a:r>
+              <a:rPr lang="ja-JP" altLang="en-US" dirty="0"/>
+              <a:t>マップを作成</a:t>
+            </a:r>
+            <a:endParaRPr lang="en-US" altLang="ja-JP" dirty="0"/>
+          </a:p>
+          <a:p>
+            <a:pPr marL="0" indent="0">
+              <a:buNone/>
+            </a:pPr>
+            <a:r>
+              <a:rPr kumimoji="1" lang="ja-JP" altLang="en-US" dirty="0"/>
+              <a:t>→バス停から観光スポットまでの距離感がつかみやすい</a:t>
+            </a:r>
+            <a:endParaRPr kumimoji="1" lang="en-US" altLang="ja-JP" dirty="0"/>
+          </a:p>
+          <a:p>
+            <a:pPr marL="0" indent="0">
+              <a:buNone/>
+            </a:pPr>
+            <a:endParaRPr kumimoji="1" lang="en-US" altLang="ja-JP" dirty="0"/>
+          </a:p>
+          <a:p>
+            <a:pPr marL="0" indent="0">
+              <a:buNone/>
+            </a:pPr>
+            <a:endParaRPr kumimoji="1" lang="en-US" altLang="ja-JP" dirty="0"/>
+          </a:p>
+          <a:p>
+            <a:pPr marL="0" indent="0">
+              <a:buNone/>
+            </a:pPr>
+            <a:endParaRPr lang="en-US" altLang="ja-JP" dirty="0"/>
+          </a:p>
+          <a:p>
+            <a:endParaRPr lang="en-US" altLang="ja-JP" dirty="0"/>
+          </a:p>
+        </p:txBody>
+      </p:sp>
+      <p:pic>
+        <p:nvPicPr>
+          <p:cNvPr id="5" name="図 4">
+            <a:extLst>
+              <a:ext uri="{FF2B5EF4-FFF2-40B4-BE49-F238E27FC236}">
+                <a16:creationId xmlns:a16="http://schemas.microsoft.com/office/drawing/2014/main" id="{C60A7905-6444-493A-B26C-3FF4C06124D7}"/>
+              </a:ext>
+            </a:extLst>
+          </p:cNvPr>
+          <p:cNvPicPr>
+            <a:picLocks noChangeAspect="1"/>
+          </p:cNvPicPr>
+          <p:nvPr/>
+        </p:nvPicPr>
+        <p:blipFill>
+          <a:blip r:embed="rId2">
+            <a:extLst>
+              <a:ext uri="{28A0092B-C50C-407E-A947-70E740481C1C}">
+                <a14:useLocalDpi xmlns:a14="http://schemas.microsoft.com/office/drawing/2010/main" val="0"/>
+              </a:ext>
+            </a:extLst>
+          </a:blip>
+          <a:stretch>
+            <a:fillRect/>
+          </a:stretch>
+        </p:blipFill>
+        <p:spPr>
+          <a:xfrm>
+            <a:off x="7203687" y="3184634"/>
+            <a:ext cx="4479715" cy="3673366"/>
+          </a:xfrm>
+          <a:prstGeom prst="rect">
+            <a:avLst/>
+          </a:prstGeom>
+        </p:spPr>
+      </p:pic>
     </p:spTree>
     <p:extLst>
       <p:ext uri="{BB962C8B-B14F-4D97-AF65-F5344CB8AC3E}">
@@ -5133,55 +5343,40 @@
           <p:cNvPr id="2" name="タイトル 1">
             <a:extLst>
               <a:ext uri="{FF2B5EF4-FFF2-40B4-BE49-F238E27FC236}">
-                <a16:creationId xmlns:a16="http://schemas.microsoft.com/office/drawing/2014/main" id="{F9063546-E25E-48F5-8E10-E5C02D289F3A}"/>
-              </a:ext>
-            </a:extLst>
-          </p:cNvPr>
-          <p:cNvSpPr>
-            <a:spLocks noGrp="1"/>
-          </p:cNvSpPr>
-          <p:nvPr>
-            <p:ph type="title"/>
-          </p:nvPr>
-        </p:nvSpPr>
-        <p:spPr/>
-        <p:txBody>
-          <a:bodyPr/>
-          <a:lstStyle/>
-          <a:p>
-            <a:endParaRPr kumimoji="1" lang="ja-JP" altLang="en-US"/>
-          </a:p>
-        </p:txBody>
-      </p:sp>
-      <p:sp>
-        <p:nvSpPr>
-          <p:cNvPr id="3" name="コンテンツ プレースホルダー 2">
-            <a:extLst>
-              <a:ext uri="{FF2B5EF4-FFF2-40B4-BE49-F238E27FC236}">
-                <a16:creationId xmlns:a16="http://schemas.microsoft.com/office/drawing/2014/main" id="{C1F9248D-DA83-482F-92E3-C0708E6E009F}"/>
-              </a:ext>
-            </a:extLst>
-          </p:cNvPr>
-          <p:cNvSpPr>
-            <a:spLocks noGrp="1"/>
-          </p:cNvSpPr>
-          <p:nvPr>
-            <p:ph idx="1"/>
-          </p:nvPr>
-        </p:nvSpPr>
-        <p:spPr/>
-        <p:txBody>
-          <a:bodyPr/>
-          <a:lstStyle/>
-          <a:p>
-            <a:endParaRPr kumimoji="1" lang="ja-JP" altLang="en-US"/>
+                <a16:creationId xmlns:a16="http://schemas.microsoft.com/office/drawing/2014/main" id="{8F51E515-A9E5-4CA9-AB01-E03CF2909031}"/>
+              </a:ext>
+            </a:extLst>
+          </p:cNvPr>
+          <p:cNvSpPr>
+            <a:spLocks noGrp="1"/>
+          </p:cNvSpPr>
+          <p:nvPr>
+            <p:ph type="ctrTitle"/>
+          </p:nvPr>
+        </p:nvSpPr>
+        <p:spPr>
+          <a:xfrm>
+            <a:off x="1206062" y="2938517"/>
+            <a:ext cx="9779876" cy="980966"/>
+          </a:xfrm>
+        </p:spPr>
+        <p:txBody>
+          <a:bodyPr>
+            <a:normAutofit/>
+          </a:bodyPr>
+          <a:lstStyle/>
+          <a:p>
+            <a:r>
+              <a:rPr kumimoji="1" lang="ja-JP" altLang="en-US" sz="4800" dirty="0"/>
+              <a:t>ご清聴ありがとうございました！</a:t>
+            </a:r>
           </a:p>
         </p:txBody>
       </p:sp>
     </p:spTree>
     <p:extLst>
       <p:ext uri="{BB962C8B-B14F-4D97-AF65-F5344CB8AC3E}">
-        <p14:creationId xmlns:p14="http://schemas.microsoft.com/office/powerpoint/2010/main" val="922327972"/>
+        <p14:creationId xmlns:p14="http://schemas.microsoft.com/office/powerpoint/2010/main" val="3237772809"/>
       </p:ext>
     </p:extLst>
   </p:cSld>
